--- a/classes/stats2020/Lecture4_AndAHalf.pptx
+++ b/classes/stats2020/Lecture4_AndAHalf.pptx
@@ -118,6 +118,11 @@
       </a:defRPr>
     </a:lvl9pPr>
   </p:defaultTextStyle>
+  <p:extLst>
+    <p:ext uri="{EFAFB233-063F-42B5-8137-9DF3F51BA10A}">
+      <p15:sldGuideLst xmlns:p15="http://schemas.microsoft.com/office/powerpoint/2012/main"/>
+    </p:ext>
+  </p:extLst>
 </p:presentation>
 </file>
 
@@ -3785,7 +3790,7 @@
         </p:nvSpPr>
         <p:spPr>
           <a:xfrm>
-            <a:off x="1096027" y="582460"/>
+            <a:off x="1096027" y="588723"/>
             <a:ext cx="7464544" cy="923330"/>
           </a:xfrm>
           <a:prstGeom prst="rect">
@@ -4418,7 +4423,7 @@
                 <a:latin typeface="Arial" panose="020B0604020202020204" pitchFamily="34" charset="0"/>
                 <a:cs typeface="Arial" panose="020B0604020202020204" pitchFamily="34" charset="0"/>
               </a:rPr>
-              <a:t>We are powered at 80% at a p &lt; 0.0001 threshold at ~6 repeats of the test </a:t>
+              <a:t>We are powered at 80% at a p &lt; 0.0001 threshold at ~5 repeats of the test </a:t>
             </a:r>
           </a:p>
           <a:p>
@@ -4529,19 +4534,8 @@
                 <a:latin typeface="Arial" panose="020B0604020202020204" pitchFamily="34" charset="0"/>
                 <a:cs typeface="Arial" panose="020B0604020202020204" pitchFamily="34" charset="0"/>
               </a:rPr>
-              <a:t>Note the sample sizes are pretty close between frequentist </a:t>
-            </a:r>
-            <a:r>
-              <a:rPr lang="en-US">
-                <a:latin typeface="Arial" panose="020B0604020202020204" pitchFamily="34" charset="0"/>
-                <a:cs typeface="Arial" panose="020B0604020202020204" pitchFamily="34" charset="0"/>
-              </a:rPr>
-              <a:t>and Bayesian.  </a:t>
-            </a:r>
-            <a:endParaRPr lang="en-US" dirty="0">
-              <a:latin typeface="Arial" panose="020B0604020202020204" pitchFamily="34" charset="0"/>
-              <a:cs typeface="Arial" panose="020B0604020202020204" pitchFamily="34" charset="0"/>
-            </a:endParaRPr>
+              <a:t>Note the sample sizes are pretty close between frequentist and Bayesian.  </a:t>
+            </a:r>
           </a:p>
           <a:p>
             <a:r>
@@ -4914,7 +4908,24 @@
                 <a:latin typeface="Arial" panose="020B0604020202020204" pitchFamily="34" charset="0"/>
                 <a:cs typeface="Arial" panose="020B0604020202020204" pitchFamily="34" charset="0"/>
               </a:rPr>
-              <a:t>This is called a power estimate.  What sample size will we need to achieve a given threshold of significance some percentage of the time</a:t>
+              <a:t>This is called a </a:t>
+            </a:r>
+            <a:r>
+              <a:rPr lang="en-US" dirty="0">
+                <a:solidFill>
+                  <a:srgbClr val="FF0000"/>
+                </a:solidFill>
+                <a:latin typeface="Arial" panose="020B0604020202020204" pitchFamily="34" charset="0"/>
+                <a:cs typeface="Arial" panose="020B0604020202020204" pitchFamily="34" charset="0"/>
+              </a:rPr>
+              <a:t>power estimate</a:t>
+            </a:r>
+            <a:r>
+              <a:rPr lang="en-US" dirty="0">
+                <a:latin typeface="Arial" panose="020B0604020202020204" pitchFamily="34" charset="0"/>
+                <a:cs typeface="Arial" panose="020B0604020202020204" pitchFamily="34" charset="0"/>
+              </a:rPr>
+              <a:t>.  What sample size will we need to achieve a given threshold of significance some percentage of the time</a:t>
             </a:r>
           </a:p>
           <a:p>
@@ -5048,7 +5059,7 @@
                 <a:latin typeface="Arial" panose="020B0604020202020204" pitchFamily="34" charset="0"/>
                 <a:cs typeface="Arial" panose="020B0604020202020204" pitchFamily="34" charset="0"/>
               </a:rPr>
-              <a:t>people taking the test</a:t>
+              <a:t>people taking the tests</a:t>
             </a:r>
           </a:p>
           <a:p>
@@ -5783,7 +5794,7 @@
                 <a:latin typeface="Arial" panose="020B0604020202020204" pitchFamily="34" charset="0"/>
                 <a:cs typeface="Arial" panose="020B0604020202020204" pitchFamily="34" charset="0"/>
               </a:rPr>
-              <a:t>We need ~6 tests to reject the null hypothesis of a person being healthy at a p &lt; 0.0001 threshold</a:t>
+              <a:t>We need ~5 tests to reject the null hypothesis of a person being healthy at a p &lt; 0.0001 threshold</a:t>
             </a:r>
           </a:p>
         </p:txBody>

--- a/classes/stats2020/Lecture4_AndAHalf.pptx
+++ b/classes/stats2020/Lecture4_AndAHalf.pptx
@@ -4396,7 +4396,7 @@
         <p:spPr>
           <a:xfrm>
             <a:off x="1121079" y="1352811"/>
-            <a:ext cx="10443885" cy="4801314"/>
+            <a:ext cx="10443885" cy="5078313"/>
           </a:xfrm>
           <a:prstGeom prst="rect">
             <a:avLst/>
@@ -4543,8 +4543,21 @@
                 <a:latin typeface="Arial" panose="020B0604020202020204" pitchFamily="34" charset="0"/>
                 <a:cs typeface="Arial" panose="020B0604020202020204" pitchFamily="34" charset="0"/>
               </a:rPr>
-              <a:t>The math is not that far apart.  The interpretation of the math is pretty different (and important).</a:t>
-            </a:r>
+              <a:t>The math is not that far apart.  The interpretation of the math is pretty different (and </a:t>
+            </a:r>
+            <a:r>
+              <a:rPr lang="en-US">
+                <a:latin typeface="Arial" panose="020B0604020202020204" pitchFamily="34" charset="0"/>
+                <a:cs typeface="Arial" panose="020B0604020202020204" pitchFamily="34" charset="0"/>
+              </a:rPr>
+              <a:t>important).</a:t>
+            </a:r>
+          </a:p>
+          <a:p>
+            <a:endParaRPr lang="en-US" dirty="0">
+              <a:latin typeface="Arial" panose="020B0604020202020204" pitchFamily="34" charset="0"/>
+              <a:cs typeface="Arial" panose="020B0604020202020204" pitchFamily="34" charset="0"/>
+            </a:endParaRPr>
           </a:p>
         </p:txBody>
       </p:sp>
